--- a/PPT.pptx
+++ b/PPT.pptx
@@ -3324,6 +3324,17 @@
 <file path=ppt/slides/slide1.xml><?xml version="1.0" encoding="utf-8"?>
 <p:sld xmlns:a="http://schemas.openxmlformats.org/drawingml/2006/main" xmlns:r="http://schemas.openxmlformats.org/officeDocument/2006/relationships" xmlns:p="http://schemas.openxmlformats.org/presentationml/2006/main">
   <p:cSld>
+    <p:bg>
+      <p:bgPr>
+        <a:solidFill>
+          <a:schemeClr val="tx1">
+            <a:lumMod val="95000"/>
+            <a:lumOff val="5000"/>
+          </a:schemeClr>
+        </a:solidFill>
+        <a:effectLst/>
+      </p:bgPr>
+    </p:bg>
     <p:spTree>
       <p:nvGrpSpPr>
         <p:cNvPr id="1" name=""/>
@@ -3338,6 +3349,42 @@
           <a:chExt cx="0" cy="0"/>
         </a:xfrm>
       </p:grpSpPr>
+      <p:pic>
+        <p:nvPicPr>
+          <p:cNvPr id="2" name="그림 1">
+            <a:extLst>
+              <a:ext uri="{FF2B5EF4-FFF2-40B4-BE49-F238E27FC236}">
+                <a16:creationId xmlns:a16="http://schemas.microsoft.com/office/drawing/2014/main" id="{4A9473E8-DC9E-47AD-AF9B-0061E7101367}"/>
+              </a:ext>
+            </a:extLst>
+          </p:cNvPr>
+          <p:cNvPicPr>
+            <a:picLocks noChangeAspect="1"/>
+          </p:cNvPicPr>
+          <p:nvPr/>
+        </p:nvPicPr>
+        <p:blipFill>
+          <a:blip r:embed="rId2">
+            <a:extLst>
+              <a:ext uri="{28A0092B-C50C-407E-A947-70E740481C1C}">
+                <a14:useLocalDpi xmlns:a14="http://schemas.microsoft.com/office/drawing/2010/main" val="0"/>
+              </a:ext>
+            </a:extLst>
+          </a:blip>
+          <a:stretch>
+            <a:fillRect/>
+          </a:stretch>
+        </p:blipFill>
+        <p:spPr>
+          <a:xfrm>
+            <a:off x="3664254" y="3429000"/>
+            <a:ext cx="4863492" cy="1765079"/>
+          </a:xfrm>
+          <a:prstGeom prst="rect">
+            <a:avLst/>
+          </a:prstGeom>
+        </p:spPr>
+      </p:pic>
     </p:spTree>
     <p:extLst>
       <p:ext uri="{BB962C8B-B14F-4D97-AF65-F5344CB8AC3E}">

--- a/PPT.pptx
+++ b/PPT.pptx
@@ -3327,9 +3327,8 @@
     <p:bg>
       <p:bgPr>
         <a:solidFill>
-          <a:schemeClr val="tx1">
-            <a:lumMod val="95000"/>
-            <a:lumOff val="5000"/>
+          <a:schemeClr val="bg1">
+            <a:lumMod val="50000"/>
           </a:schemeClr>
         </a:solidFill>
         <a:effectLst/>
@@ -3377,7 +3376,7 @@
         </p:blipFill>
         <p:spPr>
           <a:xfrm>
-            <a:off x="3664254" y="3429000"/>
+            <a:off x="2797453" y="3628500"/>
             <a:ext cx="4863492" cy="1765079"/>
           </a:xfrm>
           <a:prstGeom prst="rect">

--- a/PPT.pptx
+++ b/PPT.pptx
@@ -271,7 +271,7 @@
           <a:p>
             <a:fld id="{F3C5CC42-CCB0-4484-B892-8322B7881B2E}" type="datetimeFigureOut">
               <a:rPr lang="ko-KR" altLang="en-US" smtClean="0"/>
-              <a:t>2019-08-09</a:t>
+              <a:t>2019-08-10</a:t>
             </a:fld>
             <a:endParaRPr lang="ko-KR" altLang="en-US"/>
           </a:p>
@@ -469,7 +469,7 @@
           <a:p>
             <a:fld id="{F3C5CC42-CCB0-4484-B892-8322B7881B2E}" type="datetimeFigureOut">
               <a:rPr lang="ko-KR" altLang="en-US" smtClean="0"/>
-              <a:t>2019-08-09</a:t>
+              <a:t>2019-08-10</a:t>
             </a:fld>
             <a:endParaRPr lang="ko-KR" altLang="en-US"/>
           </a:p>
@@ -677,7 +677,7 @@
           <a:p>
             <a:fld id="{F3C5CC42-CCB0-4484-B892-8322B7881B2E}" type="datetimeFigureOut">
               <a:rPr lang="ko-KR" altLang="en-US" smtClean="0"/>
-              <a:t>2019-08-09</a:t>
+              <a:t>2019-08-10</a:t>
             </a:fld>
             <a:endParaRPr lang="ko-KR" altLang="en-US"/>
           </a:p>
@@ -875,7 +875,7 @@
           <a:p>
             <a:fld id="{F3C5CC42-CCB0-4484-B892-8322B7881B2E}" type="datetimeFigureOut">
               <a:rPr lang="ko-KR" altLang="en-US" smtClean="0"/>
-              <a:t>2019-08-09</a:t>
+              <a:t>2019-08-10</a:t>
             </a:fld>
             <a:endParaRPr lang="ko-KR" altLang="en-US"/>
           </a:p>
@@ -1150,7 +1150,7 @@
           <a:p>
             <a:fld id="{F3C5CC42-CCB0-4484-B892-8322B7881B2E}" type="datetimeFigureOut">
               <a:rPr lang="ko-KR" altLang="en-US" smtClean="0"/>
-              <a:t>2019-08-09</a:t>
+              <a:t>2019-08-10</a:t>
             </a:fld>
             <a:endParaRPr lang="ko-KR" altLang="en-US"/>
           </a:p>
@@ -1415,7 +1415,7 @@
           <a:p>
             <a:fld id="{F3C5CC42-CCB0-4484-B892-8322B7881B2E}" type="datetimeFigureOut">
               <a:rPr lang="ko-KR" altLang="en-US" smtClean="0"/>
-              <a:t>2019-08-09</a:t>
+              <a:t>2019-08-10</a:t>
             </a:fld>
             <a:endParaRPr lang="ko-KR" altLang="en-US"/>
           </a:p>
@@ -1827,7 +1827,7 @@
           <a:p>
             <a:fld id="{F3C5CC42-CCB0-4484-B892-8322B7881B2E}" type="datetimeFigureOut">
               <a:rPr lang="ko-KR" altLang="en-US" smtClean="0"/>
-              <a:t>2019-08-09</a:t>
+              <a:t>2019-08-10</a:t>
             </a:fld>
             <a:endParaRPr lang="ko-KR" altLang="en-US"/>
           </a:p>
@@ -1968,7 +1968,7 @@
           <a:p>
             <a:fld id="{F3C5CC42-CCB0-4484-B892-8322B7881B2E}" type="datetimeFigureOut">
               <a:rPr lang="ko-KR" altLang="en-US" smtClean="0"/>
-              <a:t>2019-08-09</a:t>
+              <a:t>2019-08-10</a:t>
             </a:fld>
             <a:endParaRPr lang="ko-KR" altLang="en-US"/>
           </a:p>
@@ -2081,7 +2081,7 @@
           <a:p>
             <a:fld id="{F3C5CC42-CCB0-4484-B892-8322B7881B2E}" type="datetimeFigureOut">
               <a:rPr lang="ko-KR" altLang="en-US" smtClean="0"/>
-              <a:t>2019-08-09</a:t>
+              <a:t>2019-08-10</a:t>
             </a:fld>
             <a:endParaRPr lang="ko-KR" altLang="en-US"/>
           </a:p>
@@ -2392,7 +2392,7 @@
           <a:p>
             <a:fld id="{F3C5CC42-CCB0-4484-B892-8322B7881B2E}" type="datetimeFigureOut">
               <a:rPr lang="ko-KR" altLang="en-US" smtClean="0"/>
-              <a:t>2019-08-09</a:t>
+              <a:t>2019-08-10</a:t>
             </a:fld>
             <a:endParaRPr lang="ko-KR" altLang="en-US"/>
           </a:p>
@@ -2680,7 +2680,7 @@
           <a:p>
             <a:fld id="{F3C5CC42-CCB0-4484-B892-8322B7881B2E}" type="datetimeFigureOut">
               <a:rPr lang="ko-KR" altLang="en-US" smtClean="0"/>
-              <a:t>2019-08-09</a:t>
+              <a:t>2019-08-10</a:t>
             </a:fld>
             <a:endParaRPr lang="ko-KR" altLang="en-US"/>
           </a:p>
@@ -2921,7 +2921,7 @@
           <a:p>
             <a:fld id="{F3C5CC42-CCB0-4484-B892-8322B7881B2E}" type="datetimeFigureOut">
               <a:rPr lang="ko-KR" altLang="en-US" smtClean="0"/>
-              <a:t>2019-08-09</a:t>
+              <a:t>2019-08-10</a:t>
             </a:fld>
             <a:endParaRPr lang="ko-KR" altLang="en-US"/>
           </a:p>
@@ -3403,7 +3403,7 @@
     <p:bg>
       <p:bgPr>
         <a:solidFill>
-          <a:srgbClr val="CADBE9"/>
+          <a:srgbClr val="040F23"/>
         </a:solidFill>
         <a:effectLst/>
       </p:bgPr>
@@ -3422,6 +3422,110 @@
           <a:chExt cx="0" cy="0"/>
         </a:xfrm>
       </p:grpSpPr>
+      <p:sp>
+        <p:nvSpPr>
+          <p:cNvPr id="5" name="직사각형 4">
+            <a:extLst>
+              <a:ext uri="{FF2B5EF4-FFF2-40B4-BE49-F238E27FC236}">
+                <a16:creationId xmlns:a16="http://schemas.microsoft.com/office/drawing/2014/main" id="{04E4433E-34AD-42B6-ADA9-86C33BE95EDC}"/>
+              </a:ext>
+            </a:extLst>
+          </p:cNvPr>
+          <p:cNvSpPr/>
+          <p:nvPr/>
+        </p:nvSpPr>
+        <p:spPr>
+          <a:xfrm>
+            <a:off x="7885519" y="5171449"/>
+            <a:ext cx="3775227" cy="360670"/>
+          </a:xfrm>
+          <a:prstGeom prst="rect">
+            <a:avLst/>
+          </a:prstGeom>
+          <a:solidFill>
+            <a:srgbClr val="1B2B84"/>
+          </a:solidFill>
+          <a:ln>
+            <a:noFill/>
+          </a:ln>
+        </p:spPr>
+        <p:style>
+          <a:lnRef idx="2">
+            <a:schemeClr val="accent1">
+              <a:shade val="50000"/>
+            </a:schemeClr>
+          </a:lnRef>
+          <a:fillRef idx="1">
+            <a:schemeClr val="accent1"/>
+          </a:fillRef>
+          <a:effectRef idx="0">
+            <a:schemeClr val="accent1"/>
+          </a:effectRef>
+          <a:fontRef idx="minor">
+            <a:schemeClr val="lt1"/>
+          </a:fontRef>
+        </p:style>
+        <p:txBody>
+          <a:bodyPr rtlCol="0" anchor="ctr"/>
+          <a:lstStyle/>
+          <a:p>
+            <a:pPr algn="ctr"/>
+            <a:endParaRPr lang="ko-KR" altLang="en-US"/>
+          </a:p>
+        </p:txBody>
+      </p:sp>
+      <p:sp>
+        <p:nvSpPr>
+          <p:cNvPr id="4" name="직사각형 3">
+            <a:extLst>
+              <a:ext uri="{FF2B5EF4-FFF2-40B4-BE49-F238E27FC236}">
+                <a16:creationId xmlns:a16="http://schemas.microsoft.com/office/drawing/2014/main" id="{05D91854-63EC-4F7F-BCC3-CFC55A3DA331}"/>
+              </a:ext>
+            </a:extLst>
+          </p:cNvPr>
+          <p:cNvSpPr/>
+          <p:nvPr/>
+        </p:nvSpPr>
+        <p:spPr>
+          <a:xfrm>
+            <a:off x="7635240" y="5532120"/>
+            <a:ext cx="4404360" cy="1097280"/>
+          </a:xfrm>
+          <a:prstGeom prst="rect">
+            <a:avLst/>
+          </a:prstGeom>
+          <a:solidFill>
+            <a:schemeClr val="bg1"/>
+          </a:solidFill>
+          <a:ln>
+            <a:noFill/>
+          </a:ln>
+        </p:spPr>
+        <p:style>
+          <a:lnRef idx="2">
+            <a:schemeClr val="accent1">
+              <a:shade val="50000"/>
+            </a:schemeClr>
+          </a:lnRef>
+          <a:fillRef idx="1">
+            <a:schemeClr val="accent1"/>
+          </a:fillRef>
+          <a:effectRef idx="0">
+            <a:schemeClr val="accent1"/>
+          </a:effectRef>
+          <a:fontRef idx="minor">
+            <a:schemeClr val="lt1"/>
+          </a:fontRef>
+        </p:style>
+        <p:txBody>
+          <a:bodyPr rtlCol="0" anchor="ctr"/>
+          <a:lstStyle/>
+          <a:p>
+            <a:pPr algn="ctr"/>
+            <a:endParaRPr lang="ko-KR" altLang="en-US"/>
+          </a:p>
+        </p:txBody>
+      </p:sp>
       <p:pic>
         <p:nvPicPr>
           <p:cNvPr id="2" name="그림 1">
@@ -3450,8 +3554,8 @@
         </p:blipFill>
         <p:spPr>
           <a:xfrm>
-            <a:off x="357174" y="4892040"/>
-            <a:ext cx="4863492" cy="1765079"/>
+            <a:off x="7620000" y="5041722"/>
+            <a:ext cx="4458666" cy="1618158"/>
           </a:xfrm>
           <a:prstGeom prst="rect">
             <a:avLst/>
@@ -3472,7 +3576,7 @@
         </p:nvSpPr>
         <p:spPr>
           <a:xfrm>
-            <a:off x="487680" y="4630430"/>
+            <a:off x="7871460" y="5074934"/>
             <a:ext cx="3931920" cy="523220"/>
           </a:xfrm>
           <a:prstGeom prst="rect">
@@ -3488,6 +3592,11 @@
           <a:p>
             <a:r>
               <a:rPr lang="ko-KR" altLang="en-US" sz="2800" dirty="0">
+                <a:solidFill>
+                  <a:schemeClr val="bg1">
+                    <a:lumMod val="85000"/>
+                  </a:schemeClr>
+                </a:solidFill>
                 <a:latin typeface="DX경필고딕B" panose="02020600000000000000" pitchFamily="18" charset="-127"/>
                 <a:ea typeface="DX경필고딕B" panose="02020600000000000000" pitchFamily="18" charset="-127"/>
               </a:rPr>
